--- a/4/4.pptx
+++ b/4/4.pptx
@@ -223,7 +223,7 @@
           <a:p>
             <a:fld id="{A6DF324B-7ED8-4A28-82BF-52D23688AEFD}" type="datetimeFigureOut">
               <a:rPr lang="zh-CN" altLang="en-US" smtClean="0"/>
-              <a:t>2021/7/7</a:t>
+              <a:t>2021/7/8</a:t>
             </a:fld>
             <a:endParaRPr lang="zh-CN" altLang="en-US"/>
           </a:p>
@@ -1090,7 +1090,7 @@
           <a:p>
             <a:fld id="{530820CF-B880-4189-942D-D702A7CBA730}" type="datetimeFigureOut">
               <a:rPr lang="zh-CN" altLang="en-US" smtClean="0"/>
-              <a:t>2021/7/7</a:t>
+              <a:t>2021/7/8</a:t>
             </a:fld>
             <a:endParaRPr lang="zh-CN" altLang="en-US"/>
           </a:p>
@@ -1489,7 +1489,7 @@
           <a:p>
             <a:fld id="{530820CF-B880-4189-942D-D702A7CBA730}" type="datetimeFigureOut">
               <a:rPr lang="zh-CN" altLang="en-US" smtClean="0"/>
-              <a:t>2021/7/7</a:t>
+              <a:t>2021/7/8</a:t>
             </a:fld>
             <a:endParaRPr lang="zh-CN" altLang="en-US"/>
           </a:p>
@@ -1749,7 +1749,7 @@
           <a:p>
             <a:fld id="{530820CF-B880-4189-942D-D702A7CBA730}" type="datetimeFigureOut">
               <a:rPr lang="zh-CN" altLang="en-US" smtClean="0"/>
-              <a:t>2021/7/7</a:t>
+              <a:t>2021/7/8</a:t>
             </a:fld>
             <a:endParaRPr lang="zh-CN" altLang="en-US"/>
           </a:p>
@@ -2301,7 +2301,7 @@
           <a:p>
             <a:fld id="{530820CF-B880-4189-942D-D702A7CBA730}" type="datetimeFigureOut">
               <a:rPr lang="zh-CN" altLang="en-US" smtClean="0"/>
-              <a:t>2021/7/7</a:t>
+              <a:t>2021/7/8</a:t>
             </a:fld>
             <a:endParaRPr lang="zh-CN" altLang="en-US"/>
           </a:p>
@@ -2561,7 +2561,7 @@
           <a:p>
             <a:fld id="{530820CF-B880-4189-942D-D702A7CBA730}" type="datetimeFigureOut">
               <a:rPr lang="zh-CN" altLang="en-US" smtClean="0"/>
-              <a:t>2021/7/7</a:t>
+              <a:t>2021/7/8</a:t>
             </a:fld>
             <a:endParaRPr lang="zh-CN" altLang="en-US"/>
           </a:p>
@@ -3105,7 +3105,7 @@
           <a:p>
             <a:fld id="{530820CF-B880-4189-942D-D702A7CBA730}" type="datetimeFigureOut">
               <a:rPr lang="zh-CN" altLang="en-US" smtClean="0"/>
-              <a:t>2021/7/7</a:t>
+              <a:t>2021/7/8</a:t>
             </a:fld>
             <a:endParaRPr lang="zh-CN" altLang="en-US"/>
           </a:p>
@@ -3414,7 +3414,7 @@
           <a:p>
             <a:fld id="{530820CF-B880-4189-942D-D702A7CBA730}" type="datetimeFigureOut">
               <a:rPr lang="zh-CN" altLang="en-US" smtClean="0"/>
-              <a:t>2021/7/7</a:t>
+              <a:t>2021/7/8</a:t>
             </a:fld>
             <a:endParaRPr lang="zh-CN" altLang="en-US"/>
           </a:p>
@@ -3600,7 +3600,7 @@
           <a:p>
             <a:fld id="{530820CF-B880-4189-942D-D702A7CBA730}" type="datetimeFigureOut">
               <a:rPr lang="zh-CN" altLang="en-US" smtClean="0"/>
-              <a:t>2021/7/7</a:t>
+              <a:t>2021/7/8</a:t>
             </a:fld>
             <a:endParaRPr lang="zh-CN" altLang="en-US"/>
           </a:p>
@@ -3792,7 +3792,7 @@
           <a:p>
             <a:fld id="{530820CF-B880-4189-942D-D702A7CBA730}" type="datetimeFigureOut">
               <a:rPr lang="zh-CN" altLang="en-US" smtClean="0"/>
-              <a:t>2021/7/7</a:t>
+              <a:t>2021/7/8</a:t>
             </a:fld>
             <a:endParaRPr lang="zh-CN" altLang="en-US"/>
           </a:p>
@@ -3989,7 +3989,7 @@
           <a:p>
             <a:fld id="{530820CF-B880-4189-942D-D702A7CBA730}" type="datetimeFigureOut">
               <a:rPr lang="zh-CN" altLang="en-US" smtClean="0"/>
-              <a:t>2021/7/7</a:t>
+              <a:t>2021/7/8</a:t>
             </a:fld>
             <a:endParaRPr lang="zh-CN" altLang="en-US"/>
           </a:p>
@@ -4257,7 +4257,7 @@
           <a:p>
             <a:fld id="{530820CF-B880-4189-942D-D702A7CBA730}" type="datetimeFigureOut">
               <a:rPr lang="zh-CN" altLang="en-US" smtClean="0"/>
-              <a:t>2021/7/7</a:t>
+              <a:t>2021/7/8</a:t>
             </a:fld>
             <a:endParaRPr lang="zh-CN" altLang="en-US"/>
           </a:p>
@@ -4571,7 +4571,7 @@
           <a:p>
             <a:fld id="{530820CF-B880-4189-942D-D702A7CBA730}" type="datetimeFigureOut">
               <a:rPr lang="zh-CN" altLang="en-US" smtClean="0"/>
-              <a:t>2021/7/7</a:t>
+              <a:t>2021/7/8</a:t>
             </a:fld>
             <a:endParaRPr lang="zh-CN" altLang="en-US"/>
           </a:p>
@@ -5025,7 +5025,7 @@
           <a:p>
             <a:fld id="{530820CF-B880-4189-942D-D702A7CBA730}" type="datetimeFigureOut">
               <a:rPr lang="zh-CN" altLang="en-US" smtClean="0"/>
-              <a:t>2021/7/7</a:t>
+              <a:t>2021/7/8</a:t>
             </a:fld>
             <a:endParaRPr lang="zh-CN" altLang="en-US"/>
           </a:p>
@@ -5155,7 +5155,7 @@
           <a:p>
             <a:fld id="{530820CF-B880-4189-942D-D702A7CBA730}" type="datetimeFigureOut">
               <a:rPr lang="zh-CN" altLang="en-US" smtClean="0"/>
-              <a:t>2021/7/7</a:t>
+              <a:t>2021/7/8</a:t>
             </a:fld>
             <a:endParaRPr lang="zh-CN" altLang="en-US"/>
           </a:p>
@@ -5262,7 +5262,7 @@
           <a:p>
             <a:fld id="{530820CF-B880-4189-942D-D702A7CBA730}" type="datetimeFigureOut">
               <a:rPr lang="zh-CN" altLang="en-US" smtClean="0"/>
-              <a:t>2021/7/7</a:t>
+              <a:t>2021/7/8</a:t>
             </a:fld>
             <a:endParaRPr lang="zh-CN" altLang="en-US"/>
           </a:p>
@@ -5557,7 +5557,7 @@
           <a:p>
             <a:fld id="{530820CF-B880-4189-942D-D702A7CBA730}" type="datetimeFigureOut">
               <a:rPr lang="zh-CN" altLang="en-US" smtClean="0"/>
-              <a:t>2021/7/7</a:t>
+              <a:t>2021/7/8</a:t>
             </a:fld>
             <a:endParaRPr lang="zh-CN" altLang="en-US"/>
           </a:p>
@@ -5860,7 +5860,7 @@
           <a:p>
             <a:fld id="{530820CF-B880-4189-942D-D702A7CBA730}" type="datetimeFigureOut">
               <a:rPr lang="zh-CN" altLang="en-US" smtClean="0"/>
-              <a:t>2021/7/7</a:t>
+              <a:t>2021/7/8</a:t>
             </a:fld>
             <a:endParaRPr lang="zh-CN" altLang="en-US"/>
           </a:p>
@@ -6396,7 +6396,7 @@
           <a:p>
             <a:fld id="{530820CF-B880-4189-942D-D702A7CBA730}" type="datetimeFigureOut">
               <a:rPr lang="zh-CN" altLang="en-US" smtClean="0"/>
-              <a:t>2021/7/7</a:t>
+              <a:t>2021/7/8</a:t>
             </a:fld>
             <a:endParaRPr lang="zh-CN" altLang="en-US"/>
           </a:p>
@@ -8550,6 +8550,10 @@
           <a:bodyPr/>
           <a:lstStyle/>
           <a:p>
+            <a:pPr marL="457200" indent="-457200">
+              <a:buFont typeface="+mj-lt"/>
+              <a:buAutoNum type="arabicPeriod"/>
+            </a:pPr>
             <a:r>
               <a:rPr lang="zh-CN" altLang="en-US" dirty="0"/>
               <a:t>显示三基色</a:t>
@@ -8557,6 +8561,10 @@
             <a:endParaRPr lang="en-US" altLang="zh-CN" dirty="0"/>
           </a:p>
           <a:p>
+            <a:pPr marL="457200" indent="-457200">
+              <a:buFont typeface="+mj-lt"/>
+              <a:buAutoNum type="arabicPeriod"/>
+            </a:pPr>
             <a:r>
               <a:rPr lang="zh-CN" altLang="en-US" dirty="0"/>
               <a:t>显示七彩色</a:t>
